--- a/docs/ThesisMeeting2.pptx
+++ b/docs/ThesisMeeting2.pptx
@@ -849,7 +849,7 @@
           <a:p>
             <a:fld id="{4AAD347D-5ACD-4C99-B74B-A9C85AD731AF}" type="datetimeFigureOut">
               <a:rPr lang="en-US" smtClean="0"/>
-              <a:t>5/11/2020</a:t>
+              <a:t>5/13/2020</a:t>
             </a:fld>
             <a:endParaRPr lang="en-US" dirty="0"/>
           </a:p>
@@ -1100,7 +1100,7 @@
           <a:p>
             <a:fld id="{4AAD347D-5ACD-4C99-B74B-A9C85AD731AF}" type="datetimeFigureOut">
               <a:rPr lang="en-US" smtClean="0"/>
-              <a:t>5/11/2020</a:t>
+              <a:t>5/13/2020</a:t>
             </a:fld>
             <a:endParaRPr lang="en-US" dirty="0"/>
           </a:p>
@@ -1415,7 +1415,7 @@
           <a:p>
             <a:fld id="{4AAD347D-5ACD-4C99-B74B-A9C85AD731AF}" type="datetimeFigureOut">
               <a:rPr lang="en-US" smtClean="0"/>
-              <a:t>5/11/2020</a:t>
+              <a:t>5/13/2020</a:t>
             </a:fld>
             <a:endParaRPr lang="en-US" dirty="0"/>
           </a:p>
@@ -1757,7 +1757,7 @@
           <a:p>
             <a:fld id="{4AAD347D-5ACD-4C99-B74B-A9C85AD731AF}" type="datetimeFigureOut">
               <a:rPr lang="en-US" smtClean="0"/>
-              <a:t>5/11/2020</a:t>
+              <a:t>5/13/2020</a:t>
             </a:fld>
             <a:endParaRPr lang="en-US" dirty="0"/>
           </a:p>
@@ -2072,7 +2072,7 @@
           <a:p>
             <a:fld id="{4AAD347D-5ACD-4C99-B74B-A9C85AD731AF}" type="datetimeFigureOut">
               <a:rPr lang="en-US" smtClean="0"/>
-              <a:t>5/11/2020</a:t>
+              <a:t>5/13/2020</a:t>
             </a:fld>
             <a:endParaRPr lang="en-US" dirty="0"/>
           </a:p>
@@ -2466,7 +2466,7 @@
           <a:p>
             <a:fld id="{4AAD347D-5ACD-4C99-B74B-A9C85AD731AF}" type="datetimeFigureOut">
               <a:rPr lang="en-US" smtClean="0"/>
-              <a:t>5/11/2020</a:t>
+              <a:t>5/13/2020</a:t>
             </a:fld>
             <a:endParaRPr lang="en-US" dirty="0"/>
           </a:p>
@@ -2637,7 +2637,7 @@
           <a:p>
             <a:fld id="{4509A250-FF31-4206-8172-F9D3106AACB1}" type="datetimeFigureOut">
               <a:rPr lang="en-US" smtClean="0"/>
-              <a:t>5/11/2020</a:t>
+              <a:t>5/13/2020</a:t>
             </a:fld>
             <a:endParaRPr lang="en-US" dirty="0"/>
           </a:p>
@@ -2817,7 +2817,7 @@
           <a:p>
             <a:fld id="{4AAD347D-5ACD-4C99-B74B-A9C85AD731AF}" type="datetimeFigureOut">
               <a:rPr lang="en-US" smtClean="0"/>
-              <a:t>5/11/2020</a:t>
+              <a:t>5/13/2020</a:t>
             </a:fld>
             <a:endParaRPr lang="en-US" dirty="0"/>
           </a:p>
@@ -2994,7 +2994,7 @@
           <a:p>
             <a:fld id="{4509A250-FF31-4206-8172-F9D3106AACB1}" type="datetimeFigureOut">
               <a:rPr lang="en-US" smtClean="0"/>
-              <a:t>5/11/2020</a:t>
+              <a:t>5/13/2020</a:t>
             </a:fld>
             <a:endParaRPr lang="en-US" dirty="0"/>
           </a:p>
@@ -3241,7 +3241,7 @@
           <a:p>
             <a:fld id="{9796027F-7875-4030-9381-8BD8C4F21935}" type="datetimeFigureOut">
               <a:rPr lang="en-US" smtClean="0"/>
-              <a:t>5/11/2020</a:t>
+              <a:t>5/13/2020</a:t>
             </a:fld>
             <a:endParaRPr lang="en-US" dirty="0"/>
           </a:p>
@@ -3473,7 +3473,7 @@
           <a:p>
             <a:fld id="{9796027F-7875-4030-9381-8BD8C4F21935}" type="datetimeFigureOut">
               <a:rPr lang="en-US" smtClean="0"/>
-              <a:t>5/11/2020</a:t>
+              <a:t>5/13/2020</a:t>
             </a:fld>
             <a:endParaRPr lang="en-US" dirty="0"/>
           </a:p>
@@ -3847,7 +3847,7 @@
           <a:p>
             <a:fld id="{9796027F-7875-4030-9381-8BD8C4F21935}" type="datetimeFigureOut">
               <a:rPr lang="en-US" smtClean="0"/>
-              <a:t>5/11/2020</a:t>
+              <a:t>5/13/2020</a:t>
             </a:fld>
             <a:endParaRPr lang="en-US" dirty="0"/>
           </a:p>
@@ -3970,7 +3970,7 @@
           <a:p>
             <a:fld id="{4509A250-FF31-4206-8172-F9D3106AACB1}" type="datetimeFigureOut">
               <a:rPr lang="en-US" smtClean="0"/>
-              <a:t>5/11/2020</a:t>
+              <a:t>5/13/2020</a:t>
             </a:fld>
             <a:endParaRPr lang="en-US" dirty="0"/>
           </a:p>
@@ -4065,7 +4065,7 @@
           <a:p>
             <a:fld id="{4509A250-FF31-4206-8172-F9D3106AACB1}" type="datetimeFigureOut">
               <a:rPr lang="en-US" smtClean="0"/>
-              <a:t>5/11/2020</a:t>
+              <a:t>5/13/2020</a:t>
             </a:fld>
             <a:endParaRPr lang="en-US" dirty="0"/>
           </a:p>
@@ -4320,7 +4320,7 @@
           <a:p>
             <a:fld id="{4509A250-FF31-4206-8172-F9D3106AACB1}" type="datetimeFigureOut">
               <a:rPr lang="en-US" smtClean="0"/>
-              <a:t>5/11/2020</a:t>
+              <a:t>5/13/2020</a:t>
             </a:fld>
             <a:endParaRPr lang="en-US" dirty="0"/>
           </a:p>
@@ -4583,7 +4583,7 @@
           <a:p>
             <a:fld id="{4509A250-FF31-4206-8172-F9D3106AACB1}" type="datetimeFigureOut">
               <a:rPr lang="en-US" smtClean="0"/>
-              <a:t>5/11/2020</a:t>
+              <a:t>5/13/2020</a:t>
             </a:fld>
             <a:endParaRPr lang="en-US" dirty="0"/>
           </a:p>
@@ -5326,7 +5326,7 @@
           <a:p>
             <a:fld id="{4AAD347D-5ACD-4C99-B74B-A9C85AD731AF}" type="datetimeFigureOut">
               <a:rPr lang="en-US" smtClean="0"/>
-              <a:t>5/11/2020</a:t>
+              <a:t>5/13/2020</a:t>
             </a:fld>
             <a:endParaRPr lang="en-US" dirty="0"/>
           </a:p>
@@ -8520,7 +8520,12 @@
             <p:ph sz="half" idx="1"/>
           </p:nvPr>
         </p:nvSpPr>
-        <p:spPr/>
+        <p:spPr>
+          <a:xfrm>
+            <a:off x="825807" y="2121368"/>
+            <a:ext cx="4184035" cy="3880772"/>
+          </a:xfrm>
+        </p:spPr>
         <p:txBody>
           <a:bodyPr>
             <a:normAutofit fontScale="85000" lnSpcReduction="10000"/>
